--- a/presentation/Presentation.pptx
+++ b/presentation/Presentation.pptx
@@ -123,6 +123,7 @@
 <p1510:revInfo xmlns:a="http://schemas.openxmlformats.org/drawingml/2006/main" xmlns:r="http://schemas.openxmlformats.org/officeDocument/2006/relationships" xmlns:p1510="http://schemas.microsoft.com/office/powerpoint/2015/10/main">
   <p1510:revLst>
     <p1510:client id="{A6C66FC6-AE2C-4248-BEE5-4AC1CF66D04F}" v="2612" dt="2021-02-10T22:28:27.319"/>
+    <p1510:client id="{DD5ECE9C-F501-E704-79A3-61C108869911}" v="216" dt="2021-02-14T11:50:53.459"/>
   </p1510:revLst>
 </p1510:revInfo>
 </file>
@@ -258,7 +259,7 @@
           <a:p>
             <a:fld id="{846CE7D5-CF57-46EF-B807-FDD0502418D4}" type="datetimeFigureOut">
               <a:rPr lang="en-US" smtClean="0"/>
-              <a:t>2/10/2021</a:t>
+              <a:t>2/14/2021</a:t>
             </a:fld>
             <a:endParaRPr lang="en-US"/>
           </a:p>
@@ -428,7 +429,7 @@
           <a:p>
             <a:fld id="{846CE7D5-CF57-46EF-B807-FDD0502418D4}" type="datetimeFigureOut">
               <a:rPr lang="en-US" smtClean="0"/>
-              <a:t>2/10/2021</a:t>
+              <a:t>2/14/2021</a:t>
             </a:fld>
             <a:endParaRPr lang="en-US"/>
           </a:p>
@@ -608,7 +609,7 @@
           <a:p>
             <a:fld id="{846CE7D5-CF57-46EF-B807-FDD0502418D4}" type="datetimeFigureOut">
               <a:rPr lang="en-US" smtClean="0"/>
-              <a:t>2/10/2021</a:t>
+              <a:t>2/14/2021</a:t>
             </a:fld>
             <a:endParaRPr lang="en-US"/>
           </a:p>
@@ -778,7 +779,7 @@
           <a:p>
             <a:fld id="{846CE7D5-CF57-46EF-B807-FDD0502418D4}" type="datetimeFigureOut">
               <a:rPr lang="en-US" smtClean="0"/>
-              <a:t>2/10/2021</a:t>
+              <a:t>2/14/2021</a:t>
             </a:fld>
             <a:endParaRPr lang="en-US"/>
           </a:p>
@@ -1024,7 +1025,7 @@
           <a:p>
             <a:fld id="{846CE7D5-CF57-46EF-B807-FDD0502418D4}" type="datetimeFigureOut">
               <a:rPr lang="en-US" smtClean="0"/>
-              <a:t>2/10/2021</a:t>
+              <a:t>2/14/2021</a:t>
             </a:fld>
             <a:endParaRPr lang="en-US"/>
           </a:p>
@@ -1256,7 +1257,7 @@
           <a:p>
             <a:fld id="{846CE7D5-CF57-46EF-B807-FDD0502418D4}" type="datetimeFigureOut">
               <a:rPr lang="en-US" smtClean="0"/>
-              <a:t>2/10/2021</a:t>
+              <a:t>2/14/2021</a:t>
             </a:fld>
             <a:endParaRPr lang="en-US"/>
           </a:p>
@@ -1623,7 +1624,7 @@
           <a:p>
             <a:fld id="{846CE7D5-CF57-46EF-B807-FDD0502418D4}" type="datetimeFigureOut">
               <a:rPr lang="en-US" smtClean="0"/>
-              <a:t>2/10/2021</a:t>
+              <a:t>2/14/2021</a:t>
             </a:fld>
             <a:endParaRPr lang="en-US"/>
           </a:p>
@@ -1741,7 +1742,7 @@
           <a:p>
             <a:fld id="{846CE7D5-CF57-46EF-B807-FDD0502418D4}" type="datetimeFigureOut">
               <a:rPr lang="en-US" smtClean="0"/>
-              <a:t>2/10/2021</a:t>
+              <a:t>2/14/2021</a:t>
             </a:fld>
             <a:endParaRPr lang="en-US"/>
           </a:p>
@@ -1836,7 +1837,7 @@
           <a:p>
             <a:fld id="{846CE7D5-CF57-46EF-B807-FDD0502418D4}" type="datetimeFigureOut">
               <a:rPr lang="en-US" smtClean="0"/>
-              <a:t>2/10/2021</a:t>
+              <a:t>2/14/2021</a:t>
             </a:fld>
             <a:endParaRPr lang="en-US"/>
           </a:p>
@@ -2113,7 +2114,7 @@
           <a:p>
             <a:fld id="{846CE7D5-CF57-46EF-B807-FDD0502418D4}" type="datetimeFigureOut">
               <a:rPr lang="en-US" smtClean="0"/>
-              <a:t>2/10/2021</a:t>
+              <a:t>2/14/2021</a:t>
             </a:fld>
             <a:endParaRPr lang="en-US"/>
           </a:p>
@@ -2370,7 +2371,7 @@
           <a:p>
             <a:fld id="{846CE7D5-CF57-46EF-B807-FDD0502418D4}" type="datetimeFigureOut">
               <a:rPr lang="en-US" smtClean="0"/>
-              <a:t>2/10/2021</a:t>
+              <a:t>2/14/2021</a:t>
             </a:fld>
             <a:endParaRPr lang="en-US"/>
           </a:p>
@@ -2583,7 +2584,7 @@
           <a:p>
             <a:fld id="{846CE7D5-CF57-46EF-B807-FDD0502418D4}" type="datetimeFigureOut">
               <a:rPr lang="en-US" smtClean="0"/>
-              <a:t>2/10/2021</a:t>
+              <a:t>2/14/2021</a:t>
             </a:fld>
             <a:endParaRPr lang="en-US"/>
           </a:p>
@@ -10911,7 +10912,7 @@
         </p:nvSpPr>
         <p:spPr>
           <a:xfrm>
-            <a:off x="1142055" y="2511922"/>
+            <a:off x="1079302" y="1965074"/>
             <a:ext cx="4099963" cy="2931195"/>
           </a:xfrm>
         </p:spPr>
@@ -10973,6 +10974,17 @@
                 <a:cs typeface="Calibri"/>
               </a:rPr>
               <a:t>Elastic-Net</a:t>
+            </a:r>
+          </a:p>
+          <a:p>
+            <a:r>
+              <a:rPr lang="en-US" dirty="0">
+                <a:solidFill>
+                  <a:schemeClr val="tx2"/>
+                </a:solidFill>
+                <a:cs typeface="Calibri"/>
+              </a:rPr>
+              <a:t>Decision Trees</a:t>
             </a:r>
           </a:p>
           <a:p>
@@ -12941,7 +12953,7 @@
             <a:pPr algn="ctr"/>
             <a:r>
               <a:rPr lang="en-US" sz="1400" dirty="0"/>
-              <a:t>(SGD, Decision Trees and  Tweedie Regression</a:t>
+              <a:t>(SGD, and  Tweedie Regression</a:t>
             </a:r>
             <a:endParaRPr lang="en-US" sz="1400" dirty="0">
               <a:cs typeface="Calibri"/>
@@ -23236,10 +23248,10 @@
       </p:grpSp>
       <p:graphicFrame>
         <p:nvGraphicFramePr>
-          <p:cNvPr id="11" name="Table 10">
+          <p:cNvPr id="4" name="Table 3">
             <a:extLst>
               <a:ext uri="{FF2B5EF4-FFF2-40B4-BE49-F238E27FC236}">
-                <a16:creationId xmlns:a16="http://schemas.microsoft.com/office/drawing/2014/main" id="{E4890683-097C-4B5F-9AFE-342387561F2D}"/>
+                <a16:creationId xmlns:a16="http://schemas.microsoft.com/office/drawing/2014/main" id="{3D1D3506-7192-4C94-854C-2FDF7494A3FA}"/>
               </a:ext>
             </a:extLst>
           </p:cNvPr>
@@ -23249,14 +23261,14 @@
           <p:nvPr>
             <p:extLst>
               <p:ext uri="{D42A27DB-BD31-4B8C-83A1-F6EECF244321}">
-                <p14:modId xmlns:p14="http://schemas.microsoft.com/office/powerpoint/2010/main" val="1674689455"/>
+                <p14:modId xmlns:p14="http://schemas.microsoft.com/office/powerpoint/2010/main" val="1365923407"/>
               </p:ext>
             </p:extLst>
           </p:nvPr>
         </p:nvGraphicFramePr>
         <p:xfrm>
-          <a:off x="371707" y="2193073"/>
-          <a:ext cx="11465496" cy="3291840"/>
+          <a:off x="0" y="2183130"/>
+          <a:ext cx="12192000" cy="2491740"/>
         </p:xfrm>
         <a:graphic>
           <a:graphicData uri="http://schemas.openxmlformats.org/drawingml/2006/table">
@@ -23265,127 +23277,99 @@
                 <a:tableStyleId>{5C22544A-7EE6-4342-B048-85BDC9FD1C3A}</a:tableStyleId>
               </a:tblPr>
               <a:tblGrid>
-                <a:gridCol w="1637928">
+                <a:gridCol w="1524000">
                   <a:extLst>
                     <a:ext uri="{9D8B030D-6E8A-4147-A177-3AD203B41FA5}">
-                      <a16:colId xmlns:a16="http://schemas.microsoft.com/office/drawing/2014/main" val="4219003589"/>
+                      <a16:colId xmlns:a16="http://schemas.microsoft.com/office/drawing/2014/main" val="3438412501"/>
                     </a:ext>
                   </a:extLst>
                 </a:gridCol>
-                <a:gridCol w="1637928">
+                <a:gridCol w="1524000">
                   <a:extLst>
                     <a:ext uri="{9D8B030D-6E8A-4147-A177-3AD203B41FA5}">
-                      <a16:colId xmlns:a16="http://schemas.microsoft.com/office/drawing/2014/main" val="1963445286"/>
+                      <a16:colId xmlns:a16="http://schemas.microsoft.com/office/drawing/2014/main" val="2885065725"/>
                     </a:ext>
                   </a:extLst>
                 </a:gridCol>
-                <a:gridCol w="1637928">
+                <a:gridCol w="1524000">
                   <a:extLst>
                     <a:ext uri="{9D8B030D-6E8A-4147-A177-3AD203B41FA5}">
-                      <a16:colId xmlns:a16="http://schemas.microsoft.com/office/drawing/2014/main" val="372194075"/>
+                      <a16:colId xmlns:a16="http://schemas.microsoft.com/office/drawing/2014/main" val="2925321034"/>
                     </a:ext>
                   </a:extLst>
                 </a:gridCol>
-                <a:gridCol w="1637928">
+                <a:gridCol w="1524000">
                   <a:extLst>
                     <a:ext uri="{9D8B030D-6E8A-4147-A177-3AD203B41FA5}">
-                      <a16:colId xmlns:a16="http://schemas.microsoft.com/office/drawing/2014/main" val="1349599728"/>
+                      <a16:colId xmlns:a16="http://schemas.microsoft.com/office/drawing/2014/main" val="2465463098"/>
                     </a:ext>
                   </a:extLst>
                 </a:gridCol>
-                <a:gridCol w="1637928">
+                <a:gridCol w="1524000">
                   <a:extLst>
                     <a:ext uri="{9D8B030D-6E8A-4147-A177-3AD203B41FA5}">
-                      <a16:colId xmlns:a16="http://schemas.microsoft.com/office/drawing/2014/main" val="868020852"/>
+                      <a16:colId xmlns:a16="http://schemas.microsoft.com/office/drawing/2014/main" val="2079189677"/>
                     </a:ext>
                   </a:extLst>
                 </a:gridCol>
-                <a:gridCol w="1637928">
+                <a:gridCol w="1524000">
                   <a:extLst>
                     <a:ext uri="{9D8B030D-6E8A-4147-A177-3AD203B41FA5}">
-                      <a16:colId xmlns:a16="http://schemas.microsoft.com/office/drawing/2014/main" val="3415598883"/>
+                      <a16:colId xmlns:a16="http://schemas.microsoft.com/office/drawing/2014/main" val="3734686936"/>
                     </a:ext>
                   </a:extLst>
                 </a:gridCol>
-                <a:gridCol w="1637928">
+                <a:gridCol w="1524000">
                   <a:extLst>
                     <a:ext uri="{9D8B030D-6E8A-4147-A177-3AD203B41FA5}">
-                      <a16:colId xmlns:a16="http://schemas.microsoft.com/office/drawing/2014/main" val="2450035705"/>
+                      <a16:colId xmlns:a16="http://schemas.microsoft.com/office/drawing/2014/main" val="3018166701"/>
+                    </a:ext>
+                  </a:extLst>
+                </a:gridCol>
+                <a:gridCol w="1524000">
+                  <a:extLst>
+                    <a:ext uri="{9D8B030D-6E8A-4147-A177-3AD203B41FA5}">
+                      <a16:colId xmlns:a16="http://schemas.microsoft.com/office/drawing/2014/main" val="2180438410"/>
                     </a:ext>
                   </a:extLst>
                 </a:gridCol>
               </a:tblGrid>
-              <a:tr h="1050333">
+              <a:tr h="0">
                 <a:tc>
                   <a:txBody>
                     <a:bodyPr/>
                     <a:lstStyle/>
                     <a:p>
                       <a:pPr algn="ctr"/>
+                      <a:br>
+                        <a:rPr lang="en-US" dirty="0">
+                          <a:effectLst/>
+                        </a:rPr>
+                      </a:br>
                       <a:endParaRPr lang="en-US"/>
                     </a:p>
+                    <a:p>
+                      <a:pPr lvl="0" algn="ctr">
+                        <a:buNone/>
+                      </a:pPr>
+                      <a:endParaRPr lang="en-US" dirty="0">
+                        <a:effectLst/>
+                      </a:endParaRPr>
+                    </a:p>
                   </a:txBody>
-                  <a:tcPr/>
+                  <a:tcPr marL="123825" marR="123825" marT="57150" marB="57150" anchor="ctr"/>
                 </a:tc>
                 <a:tc>
                   <a:txBody>
                     <a:bodyPr/>
                     <a:lstStyle/>
                     <a:p>
-                      <a:pPr lvl="0" algn="ctr">
-                        <a:lnSpc>
-                          <a:spcPct val="100000"/>
-                        </a:lnSpc>
-                        <a:spcBef>
-                          <a:spcPts val="0"/>
-                        </a:spcBef>
-                        <a:spcAft>
-                          <a:spcPts val="0"/>
-                        </a:spcAft>
-                        <a:buNone/>
-                      </a:pPr>
-                      <a:endParaRPr lang="en-US" sz="1800" b="0" i="0" u="none" strike="noStrike" noProof="0" dirty="0">
-                        <a:latin typeface="Calibri"/>
-                      </a:endParaRPr>
-                    </a:p>
-                    <a:p>
-                      <a:pPr lvl="0" algn="ctr">
-                        <a:lnSpc>
-                          <a:spcPct val="100000"/>
-                        </a:lnSpc>
-                        <a:spcBef>
-                          <a:spcPts val="0"/>
-                        </a:spcBef>
-                        <a:spcAft>
-                          <a:spcPts val="0"/>
-                        </a:spcAft>
-                        <a:buNone/>
-                      </a:pPr>
+                      <a:pPr algn="ctr"/>
                       <a:r>
-                        <a:rPr lang="en-US" sz="1800" b="0" i="0" u="none" strike="noStrike" noProof="0" dirty="0">
-                          <a:latin typeface="Calibri"/>
+                        <a:rPr lang="en-US" dirty="0">
+                          <a:effectLst/>
                         </a:rPr>
-                        <a:t>Linear </a:t>
-                      </a:r>
-                    </a:p>
-                    <a:p>
-                      <a:pPr lvl="0" algn="ctr">
-                        <a:lnSpc>
-                          <a:spcPct val="100000"/>
-                        </a:lnSpc>
-                        <a:spcBef>
-                          <a:spcPts val="0"/>
-                        </a:spcBef>
-                        <a:spcAft>
-                          <a:spcPts val="0"/>
-                        </a:spcAft>
-                        <a:buNone/>
-                      </a:pPr>
-                      <a:r>
-                        <a:rPr lang="en-US" sz="1800" b="0" i="0" u="none" strike="noStrike" noProof="0" dirty="0">
-                          <a:latin typeface="Calibri"/>
-                        </a:rPr>
-                        <a:t>Regression</a:t>
+                        <a:t>   Linear   </a:t>
                       </a:r>
                       <a:endParaRPr lang="en-US" dirty="0"/>
                     </a:p>
@@ -23393,10 +23377,101 @@
                       <a:pPr lvl="0" algn="ctr">
                         <a:buNone/>
                       </a:pPr>
-                      <a:endParaRPr lang="en-US" dirty="0"/>
+                      <a:r>
+                        <a:rPr lang="en-US" dirty="0">
+                          <a:effectLst/>
+                        </a:rPr>
+                        <a:t>Regression</a:t>
+                      </a:r>
                     </a:p>
                   </a:txBody>
-                  <a:tcPr/>
+                  <a:tcPr marL="123825" marR="123825" marT="57150" marB="57150" anchor="ctr"/>
+                </a:tc>
+                <a:tc>
+                  <a:txBody>
+                    <a:bodyPr/>
+                    <a:lstStyle/>
+                    <a:p>
+                      <a:pPr algn="ctr"/>
+                      <a:r>
+                        <a:rPr lang="en-US" dirty="0">
+                          <a:effectLst/>
+                        </a:rPr>
+                        <a:t>Lasso Regression</a:t>
+                      </a:r>
+                    </a:p>
+                  </a:txBody>
+                  <a:tcPr marL="123825" marR="123825" marT="57150" marB="57150" anchor="ctr"/>
+                </a:tc>
+                <a:tc>
+                  <a:txBody>
+                    <a:bodyPr/>
+                    <a:lstStyle/>
+                    <a:p>
+                      <a:pPr algn="ctr"/>
+                      <a:r>
+                        <a:rPr lang="en-US" dirty="0">
+                          <a:effectLst/>
+                        </a:rPr>
+                        <a:t>Ridge</a:t>
+                      </a:r>
+                    </a:p>
+                    <a:p>
+                      <a:pPr lvl="0" algn="ctr">
+                        <a:buNone/>
+                      </a:pPr>
+                      <a:r>
+                        <a:rPr lang="en-US" dirty="0">
+                          <a:effectLst/>
+                        </a:rPr>
+                        <a:t>Regression</a:t>
+                      </a:r>
+                    </a:p>
+                  </a:txBody>
+                  <a:tcPr marL="123825" marR="123825" marT="57150" marB="57150" anchor="ctr"/>
+                </a:tc>
+                <a:tc>
+                  <a:txBody>
+                    <a:bodyPr/>
+                    <a:lstStyle/>
+                    <a:p>
+                      <a:pPr algn="ctr"/>
+                      <a:r>
+                        <a:rPr lang="en-US" dirty="0" err="1">
+                          <a:effectLst/>
+                        </a:rPr>
+                        <a:t>kNN</a:t>
+                      </a:r>
+                    </a:p>
+                    <a:p>
+                      <a:pPr lvl="0" algn="ctr">
+                        <a:buNone/>
+                      </a:pPr>
+                      <a:r>
+                        <a:rPr lang="en-US" dirty="0">
+                          <a:effectLst/>
+                        </a:rPr>
+                        <a:t>Regression</a:t>
+                      </a:r>
+                    </a:p>
+                  </a:txBody>
+                  <a:tcPr marL="123825" marR="123825" marT="57150" marB="57150" anchor="ctr"/>
+                </a:tc>
+                <a:tc>
+                  <a:txBody>
+                    <a:bodyPr/>
+                    <a:lstStyle/>
+                    <a:p>
+                      <a:pPr algn="ctr"/>
+                      <a:r>
+                        <a:rPr lang="en-US" dirty="0">
+                          <a:effectLst/>
+                        </a:rPr>
+                        <a:t>Elastic Net</a:t>
+                      </a:r>
+                    </a:p>
+                  </a:txBody>
+                  <a:tcPr marL="123825" marR="123825" marT="57150" marB="57150" anchor="ctr"/>
                 </a:tc>
                 <a:tc>
                   <a:txBody>
@@ -23406,218 +23481,46 @@
                       <a:pPr lvl="0" algn="ctr">
                         <a:buNone/>
                       </a:pPr>
-                      <a:endParaRPr lang="en-US" sz="1800" b="0" i="0" u="none" strike="noStrike" noProof="0" dirty="0">
-                        <a:latin typeface="Calibri"/>
-                      </a:endParaRPr>
+                      <a:r>
+                        <a:rPr lang="en-US" sz="1800" b="1" i="0" u="none" strike="noStrike" noProof="0" dirty="0">
+                          <a:effectLst/>
+                          <a:latin typeface="Calibri"/>
+                        </a:rPr>
+                        <a:t>Decision</a:t>
+                      </a:r>
                     </a:p>
                     <a:p>
                       <a:pPr lvl="0" algn="ctr">
                         <a:buNone/>
                       </a:pPr>
                       <a:r>
-                        <a:rPr lang="en-US" sz="1800" b="0" i="0" u="none" strike="noStrike" noProof="0" dirty="0">
+                        <a:rPr lang="en-US" sz="1800" b="1" i="0" u="none" strike="noStrike" noProof="0" dirty="0">
+                          <a:effectLst/>
                           <a:latin typeface="Calibri"/>
                         </a:rPr>
-                        <a:t>Lasso </a:t>
+                        <a:t>Trees</a:t>
                       </a:r>
-                      <a:endParaRPr lang="en-US" dirty="0"/>
+                    </a:p>
+                  </a:txBody>
+                  <a:tcPr marL="123825" marR="123825" marT="57150" marB="57150" anchor="ctr"/>
+                </a:tc>
+                <a:tc>
+                  <a:txBody>
+                    <a:bodyPr/>
+                    <a:lstStyle/>
+                    <a:p>
+                      <a:endParaRPr lang="en-US"/>
                     </a:p>
                     <a:p>
                       <a:pPr lvl="0" algn="ctr">
                         <a:buNone/>
                       </a:pPr>
                       <a:r>
-                        <a:rPr lang="en-US" sz="1800" b="0" i="0" u="none" strike="noStrike" noProof="0" dirty="0">
-                          <a:latin typeface="Calibri"/>
-                        </a:rPr>
-                        <a:t>Regression</a:t>
-                      </a:r>
-                      <a:endParaRPr lang="en-US" dirty="0"/>
-                    </a:p>
-                  </a:txBody>
-                  <a:tcPr/>
-                </a:tc>
-                <a:tc>
-                  <a:txBody>
-                    <a:bodyPr/>
-                    <a:lstStyle/>
-                    <a:p>
-                      <a:pPr lvl="0" algn="ctr">
-                        <a:buNone/>
-                      </a:pPr>
-                      <a:endParaRPr lang="en-US" sz="1800" b="0" i="0" u="none" strike="noStrike" noProof="0" dirty="0">
-                        <a:latin typeface="Calibri"/>
-                      </a:endParaRPr>
-                    </a:p>
-                    <a:p>
-                      <a:pPr lvl="0" algn="ctr">
-                        <a:buNone/>
-                      </a:pPr>
-                      <a:r>
-                        <a:rPr lang="en-US" sz="1800" b="0" i="0" u="none" strike="noStrike" noProof="0" dirty="0">
-                          <a:latin typeface="Calibri"/>
-                        </a:rPr>
-                        <a:t>Ridge </a:t>
-                      </a:r>
-                      <a:endParaRPr lang="en-US" dirty="0"/>
-                    </a:p>
-                    <a:p>
-                      <a:pPr lvl="0" algn="ctr">
-                        <a:buNone/>
-                      </a:pPr>
-                      <a:r>
-                        <a:rPr lang="en-US" sz="1800" b="0" i="0" u="none" strike="noStrike" noProof="0" dirty="0">
-                          <a:latin typeface="Calibri"/>
-                        </a:rPr>
-                        <a:t>Regression</a:t>
-                      </a:r>
-                      <a:endParaRPr lang="en-US" dirty="0"/>
-                    </a:p>
-                  </a:txBody>
-                  <a:tcPr/>
-                </a:tc>
-                <a:tc>
-                  <a:txBody>
-                    <a:bodyPr/>
-                    <a:lstStyle/>
-                    <a:p>
-                      <a:pPr lvl="0" algn="ctr">
-                        <a:buNone/>
-                      </a:pPr>
-                      <a:endParaRPr lang="en-US" sz="1800" b="0" i="0" u="none" strike="noStrike" noProof="0" dirty="0">
-                        <a:latin typeface="Calibri"/>
-                      </a:endParaRPr>
-                    </a:p>
-                    <a:p>
-                      <a:pPr lvl="0" algn="ctr">
-                        <a:buNone/>
-                      </a:pPr>
-                      <a:r>
-                        <a:rPr lang="en-US" sz="1800" b="0" i="0" u="none" strike="noStrike" noProof="0" dirty="0" err="1">
-                          <a:latin typeface="Calibri"/>
-                        </a:rPr>
-                        <a:t>kNN</a:t>
-                      </a:r>
-                      <a:r>
-                        <a:rPr lang="en-US" sz="1800" b="0" i="0" u="none" strike="noStrike" noProof="0" dirty="0">
-                          <a:latin typeface="Calibri"/>
-                        </a:rPr>
-                        <a:t> </a:t>
-                      </a:r>
-                      <a:endParaRPr lang="en-US" dirty="0"/>
-                    </a:p>
-                    <a:p>
-                      <a:pPr lvl="0" algn="ctr">
-                        <a:buNone/>
-                      </a:pPr>
-                      <a:r>
-                        <a:rPr lang="en-US" sz="1800" b="0" i="0" u="none" strike="noStrike" noProof="0" dirty="0">
-                          <a:latin typeface="Calibri"/>
-                        </a:rPr>
-                        <a:t>Regression</a:t>
-                      </a:r>
-                      <a:endParaRPr lang="en-US" dirty="0"/>
-                    </a:p>
-                  </a:txBody>
-                  <a:tcPr/>
-                </a:tc>
-                <a:tc>
-                  <a:txBody>
-                    <a:bodyPr/>
-                    <a:lstStyle/>
-                    <a:p>
-                      <a:pPr lvl="0" algn="ctr">
-                        <a:lnSpc>
-                          <a:spcPct val="100000"/>
-                        </a:lnSpc>
-                        <a:spcBef>
-                          <a:spcPts val="0"/>
-                        </a:spcBef>
-                        <a:spcAft>
-                          <a:spcPts val="0"/>
-                        </a:spcAft>
-                        <a:buNone/>
-                      </a:pPr>
-                      <a:endParaRPr lang="en-US" sz="1800" b="0" i="0" u="none" strike="noStrike" noProof="0" dirty="0">
-                        <a:latin typeface="Calibri"/>
-                      </a:endParaRPr>
-                    </a:p>
-                    <a:p>
-                      <a:pPr lvl="0" algn="ctr">
-                        <a:lnSpc>
-                          <a:spcPct val="100000"/>
-                        </a:lnSpc>
-                        <a:spcBef>
-                          <a:spcPts val="0"/>
-                        </a:spcBef>
-                        <a:spcAft>
-                          <a:spcPts val="0"/>
-                        </a:spcAft>
-                        <a:buNone/>
-                      </a:pPr>
-                      <a:r>
-                        <a:rPr lang="en-US" sz="1800" b="0" i="0" u="none" strike="noStrike" noProof="0" dirty="0">
-                          <a:latin typeface="Calibri"/>
-                        </a:rPr>
-                        <a:t>Elastic Net</a:t>
-                      </a:r>
-                      <a:endParaRPr lang="en-US" dirty="0"/>
-                    </a:p>
-                    <a:p>
-                      <a:pPr lvl="0" algn="ctr">
-                        <a:buNone/>
-                      </a:pPr>
-                      <a:endParaRPr lang="en-US" dirty="0"/>
-                    </a:p>
-                  </a:txBody>
-                  <a:tcPr/>
-                </a:tc>
-                <a:tc>
-                  <a:txBody>
-                    <a:bodyPr/>
-                    <a:lstStyle/>
-                    <a:p>
-                      <a:pPr lvl="0" algn="ctr">
-                        <a:lnSpc>
-                          <a:spcPct val="100000"/>
-                        </a:lnSpc>
-                        <a:spcBef>
-                          <a:spcPts val="0"/>
-                        </a:spcBef>
-                        <a:spcAft>
-                          <a:spcPts val="0"/>
-                        </a:spcAft>
-                        <a:buNone/>
-                      </a:pPr>
-                      <a:endParaRPr lang="en-US" sz="1800" b="0" i="0" u="none" strike="noStrike" noProof="0" dirty="0">
-                        <a:latin typeface="Calibri"/>
-                      </a:endParaRPr>
-                    </a:p>
-                    <a:p>
-                      <a:pPr lvl="0" algn="ctr">
-                        <a:lnSpc>
-                          <a:spcPct val="100000"/>
-                        </a:lnSpc>
-                        <a:spcBef>
-                          <a:spcPts val="0"/>
-                        </a:spcBef>
-                        <a:spcAft>
-                          <a:spcPts val="0"/>
-                        </a:spcAft>
-                        <a:buNone/>
-                      </a:pPr>
-                      <a:r>
-                        <a:rPr lang="en-US" sz="1800" b="0" i="0" u="none" strike="noStrike" noProof="0" dirty="0">
+                        <a:rPr lang="en-US" sz="1800" b="1" i="0" u="none" strike="noStrike" noProof="0" dirty="0">
                           <a:latin typeface="Calibri"/>
                         </a:rPr>
                         <a:t>SVM</a:t>
                       </a:r>
-                      <a:endParaRPr lang="en-US" dirty="0"/>
-                    </a:p>
-                    <a:p>
-                      <a:pPr lvl="0" algn="ctr">
-                        <a:buNone/>
-                      </a:pPr>
                       <a:endParaRPr lang="en-US" dirty="0"/>
                     </a:p>
                   </a:txBody>
@@ -23625,26 +23528,23 @@
                 </a:tc>
                 <a:extLst>
                   <a:ext uri="{0D108BD9-81ED-4DB2-BD59-A6C34878D82A}">
-                    <a16:rowId xmlns:a16="http://schemas.microsoft.com/office/drawing/2014/main" val="3113557519"/>
+                    <a16:rowId xmlns:a16="http://schemas.microsoft.com/office/drawing/2014/main" val="1822422300"/>
                   </a:ext>
                 </a:extLst>
               </a:tr>
-              <a:tr h="339338">
+              <a:tr h="0">
                 <a:tc>
                   <a:txBody>
                     <a:bodyPr/>
                     <a:lstStyle/>
                     <a:p>
-                      <a:pPr lvl="0" algn="ctr">
-                        <a:buNone/>
-                      </a:pPr>
+                      <a:pPr algn="ctr"/>
                       <a:r>
                         <a:rPr lang="en-US" dirty="0">
                           <a:effectLst/>
                         </a:rPr>
                         <a:t>R2</a:t>
                       </a:r>
-                      <a:endParaRPr lang="en-US"/>
                     </a:p>
                   </a:txBody>
                   <a:tcPr marL="123825" marR="123825" marT="57150" marB="57150" anchor="ctr"/>
@@ -23739,6 +23639,22 @@
                         <a:rPr lang="en-US" dirty="0">
                           <a:effectLst/>
                         </a:rPr>
+                        <a:t>0.92</a:t>
+                      </a:r>
+                    </a:p>
+                  </a:txBody>
+                  <a:tcPr marL="123825" marR="123825" marT="57150" marB="57150" anchor="ctr"/>
+                </a:tc>
+                <a:tc>
+                  <a:txBody>
+                    <a:bodyPr/>
+                    <a:lstStyle/>
+                    <a:p>
+                      <a:pPr algn="ctr"/>
+                      <a:r>
+                        <a:rPr lang="en-US" dirty="0">
+                          <a:effectLst/>
+                        </a:rPr>
                         <a:t>-0.15</a:t>
                       </a:r>
                     </a:p>
@@ -23747,26 +23663,23 @@
                 </a:tc>
                 <a:extLst>
                   <a:ext uri="{0D108BD9-81ED-4DB2-BD59-A6C34878D82A}">
-                    <a16:rowId xmlns:a16="http://schemas.microsoft.com/office/drawing/2014/main" val="4146925429"/>
+                    <a16:rowId xmlns:a16="http://schemas.microsoft.com/office/drawing/2014/main" val="3194809718"/>
                   </a:ext>
                 </a:extLst>
               </a:tr>
-              <a:tr h="339338">
+              <a:tr h="0">
                 <a:tc>
                   <a:txBody>
                     <a:bodyPr/>
                     <a:lstStyle/>
                     <a:p>
-                      <a:pPr lvl="0" algn="ctr">
-                        <a:buNone/>
-                      </a:pPr>
+                      <a:pPr algn="ctr"/>
                       <a:r>
                         <a:rPr lang="en-US" dirty="0">
                           <a:effectLst/>
                         </a:rPr>
                         <a:t>MAE</a:t>
                       </a:r>
-                      <a:endParaRPr lang="en-US"/>
                     </a:p>
                   </a:txBody>
                   <a:tcPr marL="123825" marR="123825" marT="57150" marB="57150" anchor="ctr"/>
@@ -23861,6 +23774,22 @@
                         <a:rPr lang="en-US" dirty="0">
                           <a:effectLst/>
                         </a:rPr>
+                        <a:t>1599</a:t>
+                      </a:r>
+                    </a:p>
+                  </a:txBody>
+                  <a:tcPr marL="123825" marR="123825" marT="57150" marB="57150" anchor="ctr"/>
+                </a:tc>
+                <a:tc>
+                  <a:txBody>
+                    <a:bodyPr/>
+                    <a:lstStyle/>
+                    <a:p>
+                      <a:pPr algn="ctr"/>
+                      <a:r>
+                        <a:rPr lang="en-US" dirty="0">
+                          <a:effectLst/>
+                        </a:rPr>
                         <a:t>5232.1</a:t>
                       </a:r>
                     </a:p>
@@ -23869,26 +23798,23 @@
                 </a:tc>
                 <a:extLst>
                   <a:ext uri="{0D108BD9-81ED-4DB2-BD59-A6C34878D82A}">
-                    <a16:rowId xmlns:a16="http://schemas.microsoft.com/office/drawing/2014/main" val="4100912025"/>
+                    <a16:rowId xmlns:a16="http://schemas.microsoft.com/office/drawing/2014/main" val="1957034315"/>
                   </a:ext>
                 </a:extLst>
               </a:tr>
-              <a:tr h="339338">
+              <a:tr h="0">
                 <a:tc>
                   <a:txBody>
                     <a:bodyPr/>
                     <a:lstStyle/>
                     <a:p>
-                      <a:pPr lvl="0" algn="ctr">
-                        <a:buNone/>
-                      </a:pPr>
+                      <a:pPr algn="ctr"/>
                       <a:r>
                         <a:rPr lang="en-US" dirty="0">
                           <a:effectLst/>
                         </a:rPr>
                         <a:t>MSE</a:t>
                       </a:r>
-                      <a:endParaRPr lang="en-US"/>
                     </a:p>
                   </a:txBody>
                   <a:tcPr marL="123825" marR="123825" marT="57150" marB="57150" anchor="ctr"/>
@@ -23983,6 +23909,22 @@
                         <a:rPr lang="en-US" dirty="0">
                           <a:effectLst/>
                         </a:rPr>
+                        <a:t>7362844</a:t>
+                      </a:r>
+                    </a:p>
+                  </a:txBody>
+                  <a:tcPr marL="123825" marR="123825" marT="57150" marB="57150" anchor="ctr"/>
+                </a:tc>
+                <a:tc>
+                  <a:txBody>
+                    <a:bodyPr/>
+                    <a:lstStyle/>
+                    <a:p>
+                      <a:pPr algn="ctr"/>
+                      <a:r>
+                        <a:rPr lang="en-US" dirty="0">
+                          <a:effectLst/>
+                        </a:rPr>
                         <a:t>100242603</a:t>
                       </a:r>
                     </a:p>
@@ -23991,11 +23933,11 @@
                 </a:tc>
                 <a:extLst>
                   <a:ext uri="{0D108BD9-81ED-4DB2-BD59-A6C34878D82A}">
-                    <a16:rowId xmlns:a16="http://schemas.microsoft.com/office/drawing/2014/main" val="10750664"/>
+                    <a16:rowId xmlns:a16="http://schemas.microsoft.com/office/drawing/2014/main" val="1735037952"/>
                   </a:ext>
                 </a:extLst>
               </a:tr>
-              <a:tr h="840264">
+              <a:tr h="0">
                 <a:tc>
                   <a:txBody>
                     <a:bodyPr/>
@@ -24008,7 +23950,6 @@
                         </a:rPr>
                         <a:t>RMSE</a:t>
                       </a:r>
-                      <a:endParaRPr lang="en-US" dirty="0"/>
                     </a:p>
                   </a:txBody>
                   <a:tcPr marL="123825" marR="123825" marT="57150" marB="57150" anchor="ctr"/>
@@ -24083,25 +24024,12 @@
                     <a:lstStyle/>
                     <a:p>
                       <a:pPr algn="ctr"/>
-                      <a:br>
-                        <a:rPr lang="en-US" dirty="0">
-                          <a:effectLst/>
-                        </a:rPr>
-                      </a:br>
                       <a:r>
                         <a:rPr lang="en-US" dirty="0">
                           <a:effectLst/>
                         </a:rPr>
                         <a:t>4407.7</a:t>
                       </a:r>
-                      <a:br>
-                        <a:rPr lang="en-US" dirty="0">
-                          <a:effectLst/>
-                        </a:rPr>
-                      </a:br>
-                      <a:endParaRPr lang="en-US" dirty="0">
-                        <a:effectLst/>
-                      </a:endParaRPr>
                     </a:p>
                   </a:txBody>
                   <a:tcPr marL="123825" marR="123825" marT="57150" marB="57150" anchor="ctr"/>
@@ -24112,23 +24040,35 @@
                     <a:lstStyle/>
                     <a:p>
                       <a:pPr algn="ctr"/>
-                      <a:endParaRPr lang="en-US"/>
+                      <a:r>
+                        <a:rPr lang="en-US" dirty="0">
+                          <a:effectLst/>
+                        </a:rPr>
+                        <a:t>2713.46</a:t>
+                      </a:r>
                     </a:p>
+                  </a:txBody>
+                  <a:tcPr marL="123825" marR="123825" marT="57150" marB="57150" anchor="ctr"/>
+                </a:tc>
+                <a:tc>
+                  <a:txBody>
+                    <a:bodyPr/>
+                    <a:lstStyle/>
                     <a:p>
-                      <a:pPr lvl="0" algn="ctr">
-                        <a:buNone/>
-                      </a:pPr>
+                      <a:pPr algn="ctr"/>
                       <a:r>
-                        <a:rPr lang="en-US" dirty="0"/>
+                        <a:rPr lang="en-US" dirty="0">
+                          <a:effectLst/>
+                        </a:rPr>
                         <a:t>10012</a:t>
                       </a:r>
                     </a:p>
                   </a:txBody>
-                  <a:tcPr/>
+                  <a:tcPr marL="123825" marR="123825" marT="57150" marB="57150" anchor="ctr"/>
                 </a:tc>
                 <a:extLst>
                   <a:ext uri="{0D108BD9-81ED-4DB2-BD59-A6C34878D82A}">
-                    <a16:rowId xmlns:a16="http://schemas.microsoft.com/office/drawing/2014/main" val="1937224230"/>
+                    <a16:rowId xmlns:a16="http://schemas.microsoft.com/office/drawing/2014/main" val="2902039475"/>
                   </a:ext>
                 </a:extLst>
               </a:tr>
